--- a/ppt.pptx
+++ b/ppt.pptx
@@ -846,7 +846,7 @@
           <a:p>
             <a:fld id="{B16ED29F-FE9C-48A3-B123-22C59C3EFF85}" type="datetimeFigureOut">
               <a:rPr lang="en-US" smtClean="0"/>
-              <a:t>10/2/2018</a:t>
+              <a:t>10/3/2018</a:t>
             </a:fld>
             <a:endParaRPr lang="en-US"/>
           </a:p>
@@ -1097,7 +1097,7 @@
           <a:p>
             <a:fld id="{B16ED29F-FE9C-48A3-B123-22C59C3EFF85}" type="datetimeFigureOut">
               <a:rPr lang="en-US" smtClean="0"/>
-              <a:t>10/2/2018</a:t>
+              <a:t>10/3/2018</a:t>
             </a:fld>
             <a:endParaRPr lang="en-US"/>
           </a:p>
@@ -1411,7 +1411,7 @@
           <a:p>
             <a:fld id="{B16ED29F-FE9C-48A3-B123-22C59C3EFF85}" type="datetimeFigureOut">
               <a:rPr lang="en-US" smtClean="0"/>
-              <a:t>10/2/2018</a:t>
+              <a:t>10/3/2018</a:t>
             </a:fld>
             <a:endParaRPr lang="en-US"/>
           </a:p>
@@ -1752,7 +1752,7 @@
           <a:p>
             <a:fld id="{B16ED29F-FE9C-48A3-B123-22C59C3EFF85}" type="datetimeFigureOut">
               <a:rPr lang="en-US" smtClean="0"/>
-              <a:t>10/2/2018</a:t>
+              <a:t>10/3/2018</a:t>
             </a:fld>
             <a:endParaRPr lang="en-US"/>
           </a:p>
@@ -2066,7 +2066,7 @@
           <a:p>
             <a:fld id="{B16ED29F-FE9C-48A3-B123-22C59C3EFF85}" type="datetimeFigureOut">
               <a:rPr lang="en-US" smtClean="0"/>
-              <a:t>10/2/2018</a:t>
+              <a:t>10/3/2018</a:t>
             </a:fld>
             <a:endParaRPr lang="en-US"/>
           </a:p>
@@ -2459,7 +2459,7 @@
           <a:p>
             <a:fld id="{B16ED29F-FE9C-48A3-B123-22C59C3EFF85}" type="datetimeFigureOut">
               <a:rPr lang="en-US" smtClean="0"/>
-              <a:t>10/2/2018</a:t>
+              <a:t>10/3/2018</a:t>
             </a:fld>
             <a:endParaRPr lang="en-US"/>
           </a:p>
@@ -2629,7 +2629,7 @@
           <a:p>
             <a:fld id="{B16ED29F-FE9C-48A3-B123-22C59C3EFF85}" type="datetimeFigureOut">
               <a:rPr lang="en-US" smtClean="0"/>
-              <a:t>10/2/2018</a:t>
+              <a:t>10/3/2018</a:t>
             </a:fld>
             <a:endParaRPr lang="en-US"/>
           </a:p>
@@ -2809,7 +2809,7 @@
           <a:p>
             <a:fld id="{B16ED29F-FE9C-48A3-B123-22C59C3EFF85}" type="datetimeFigureOut">
               <a:rPr lang="en-US" smtClean="0"/>
-              <a:t>10/2/2018</a:t>
+              <a:t>10/3/2018</a:t>
             </a:fld>
             <a:endParaRPr lang="en-US"/>
           </a:p>
@@ -2985,7 +2985,7 @@
           <a:p>
             <a:fld id="{B16ED29F-FE9C-48A3-B123-22C59C3EFF85}" type="datetimeFigureOut">
               <a:rPr lang="en-US" smtClean="0"/>
-              <a:t>10/2/2018</a:t>
+              <a:t>10/3/2018</a:t>
             </a:fld>
             <a:endParaRPr lang="en-US"/>
           </a:p>
@@ -3232,7 +3232,7 @@
           <a:p>
             <a:fld id="{B16ED29F-FE9C-48A3-B123-22C59C3EFF85}" type="datetimeFigureOut">
               <a:rPr lang="en-US" smtClean="0"/>
-              <a:t>10/2/2018</a:t>
+              <a:t>10/3/2018</a:t>
             </a:fld>
             <a:endParaRPr lang="en-US"/>
           </a:p>
@@ -3464,7 +3464,7 @@
           <a:p>
             <a:fld id="{B16ED29F-FE9C-48A3-B123-22C59C3EFF85}" type="datetimeFigureOut">
               <a:rPr lang="en-US" smtClean="0"/>
-              <a:t>10/2/2018</a:t>
+              <a:t>10/3/2018</a:t>
             </a:fld>
             <a:endParaRPr lang="en-US"/>
           </a:p>
@@ -3838,7 +3838,7 @@
           <a:p>
             <a:fld id="{B16ED29F-FE9C-48A3-B123-22C59C3EFF85}" type="datetimeFigureOut">
               <a:rPr lang="en-US" smtClean="0"/>
-              <a:t>10/2/2018</a:t>
+              <a:t>10/3/2018</a:t>
             </a:fld>
             <a:endParaRPr lang="en-US"/>
           </a:p>
@@ -3961,7 +3961,7 @@
           <a:p>
             <a:fld id="{B16ED29F-FE9C-48A3-B123-22C59C3EFF85}" type="datetimeFigureOut">
               <a:rPr lang="en-US" smtClean="0"/>
-              <a:t>10/2/2018</a:t>
+              <a:t>10/3/2018</a:t>
             </a:fld>
             <a:endParaRPr lang="en-US"/>
           </a:p>
@@ -4056,7 +4056,7 @@
           <a:p>
             <a:fld id="{B16ED29F-FE9C-48A3-B123-22C59C3EFF85}" type="datetimeFigureOut">
               <a:rPr lang="en-US" smtClean="0"/>
-              <a:t>10/2/2018</a:t>
+              <a:t>10/3/2018</a:t>
             </a:fld>
             <a:endParaRPr lang="en-US"/>
           </a:p>
@@ -4311,7 +4311,7 @@
           <a:p>
             <a:fld id="{B16ED29F-FE9C-48A3-B123-22C59C3EFF85}" type="datetimeFigureOut">
               <a:rPr lang="en-US" smtClean="0"/>
-              <a:t>10/2/2018</a:t>
+              <a:t>10/3/2018</a:t>
             </a:fld>
             <a:endParaRPr lang="en-US"/>
           </a:p>
@@ -4574,7 +4574,7 @@
           <a:p>
             <a:fld id="{B16ED29F-FE9C-48A3-B123-22C59C3EFF85}" type="datetimeFigureOut">
               <a:rPr lang="en-US" smtClean="0"/>
-              <a:t>10/2/2018</a:t>
+              <a:t>10/3/2018</a:t>
             </a:fld>
             <a:endParaRPr lang="en-US"/>
           </a:p>
@@ -5317,7 +5317,7 @@
           <a:p>
             <a:fld id="{B16ED29F-FE9C-48A3-B123-22C59C3EFF85}" type="datetimeFigureOut">
               <a:rPr lang="en-US" smtClean="0"/>
-              <a:t>10/2/2018</a:t>
+              <a:t>10/3/2018</a:t>
             </a:fld>
             <a:endParaRPr lang="en-US"/>
           </a:p>
@@ -10548,7 +10548,12 @@
             <p:ph type="title"/>
           </p:nvPr>
         </p:nvSpPr>
-        <p:spPr/>
+        <p:spPr>
+          <a:xfrm>
+            <a:off x="677334" y="618478"/>
+            <a:ext cx="8596668" cy="1320800"/>
+          </a:xfrm>
+        </p:spPr>
         <p:txBody>
           <a:bodyPr/>
           <a:lstStyle/>
@@ -10584,7 +10589,7 @@
           <a:lstStyle/>
           <a:p>
             <a:r>
-              <a:rPr lang="en-US" dirty="0"/>
+              <a:rPr lang="en-US" sz="2400" b="1" dirty="0"/>
               <a:t>Precision Score</a:t>
             </a:r>
           </a:p>
@@ -10616,7 +10621,7 @@
           </a:p>
           <a:p>
             <a:r>
-              <a:rPr lang="en-US" dirty="0"/>
+              <a:rPr lang="en-US" sz="2400" b="1" dirty="0"/>
               <a:t>Recall Score</a:t>
             </a:r>
           </a:p>
@@ -10696,7 +10701,7 @@
           <a:lstStyle/>
           <a:p>
             <a:r>
-              <a:rPr lang="en-US" dirty="0"/>
+              <a:rPr lang="en-US" sz="2400" b="1" dirty="0"/>
               <a:t>F1 Score</a:t>
             </a:r>
           </a:p>
